--- a/training/About YKM.pptx
+++ b/training/About YKM.pptx
@@ -6,6 +6,7 @@
   </p:sldMasterIdLst>
   <p:sldIdLst>
     <p:sldId id="257" r:id="rId2"/>
+    <p:sldId id="258" r:id="rId3"/>
   </p:sldIdLst>
   <p:sldSz cx="12192000" cy="6858000"/>
   <p:notesSz cx="6858000" cy="9144000"/>
@@ -104,6 +105,11 @@
       </a:defRPr>
     </a:lvl9pPr>
   </p:defaultTextStyle>
+  <p:extLst>
+    <p:ext uri="{EFAFB233-063F-42B5-8137-9DF3F51BA10A}">
+      <p15:sldGuideLst xmlns:p15="http://schemas.microsoft.com/office/powerpoint/2012/main"/>
+    </p:ext>
+  </p:extLst>
 </p:presentation>
 </file>
 
@@ -260,7 +266,7 @@
           <a:p>
             <a:fld id="{4F6F099E-6738-480F-955A-CF7FFBB19FCA}" type="datetimeFigureOut">
               <a:rPr lang="en-SG" smtClean="0"/>
-              <a:t>8/8/2017</a:t>
+              <a:t>12/8/2017</a:t>
             </a:fld>
             <a:endParaRPr lang="en-SG"/>
           </a:p>
@@ -460,7 +466,7 @@
           <a:p>
             <a:fld id="{4F6F099E-6738-480F-955A-CF7FFBB19FCA}" type="datetimeFigureOut">
               <a:rPr lang="en-SG" smtClean="0"/>
-              <a:t>8/8/2017</a:t>
+              <a:t>12/8/2017</a:t>
             </a:fld>
             <a:endParaRPr lang="en-SG"/>
           </a:p>
@@ -670,7 +676,7 @@
           <a:p>
             <a:fld id="{4F6F099E-6738-480F-955A-CF7FFBB19FCA}" type="datetimeFigureOut">
               <a:rPr lang="en-SG" smtClean="0"/>
-              <a:t>8/8/2017</a:t>
+              <a:t>12/8/2017</a:t>
             </a:fld>
             <a:endParaRPr lang="en-SG"/>
           </a:p>
@@ -1098,7 +1104,7 @@
           <a:p>
             <a:fld id="{4F6F099E-6738-480F-955A-CF7FFBB19FCA}" type="datetimeFigureOut">
               <a:rPr lang="en-SG" smtClean="0"/>
-              <a:t>8/8/2017</a:t>
+              <a:t>12/8/2017</a:t>
             </a:fld>
             <a:endParaRPr lang="en-SG"/>
           </a:p>
@@ -1374,7 +1380,7 @@
           <a:p>
             <a:fld id="{4F6F099E-6738-480F-955A-CF7FFBB19FCA}" type="datetimeFigureOut">
               <a:rPr lang="en-SG" smtClean="0"/>
-              <a:t>8/8/2017</a:t>
+              <a:t>12/8/2017</a:t>
             </a:fld>
             <a:endParaRPr lang="en-SG"/>
           </a:p>
@@ -1642,7 +1648,7 @@
           <a:p>
             <a:fld id="{4F6F099E-6738-480F-955A-CF7FFBB19FCA}" type="datetimeFigureOut">
               <a:rPr lang="en-SG" smtClean="0"/>
-              <a:t>8/8/2017</a:t>
+              <a:t>12/8/2017</a:t>
             </a:fld>
             <a:endParaRPr lang="en-SG"/>
           </a:p>
@@ -2057,7 +2063,7 @@
           <a:p>
             <a:fld id="{4F6F099E-6738-480F-955A-CF7FFBB19FCA}" type="datetimeFigureOut">
               <a:rPr lang="en-SG" smtClean="0"/>
-              <a:t>8/8/2017</a:t>
+              <a:t>12/8/2017</a:t>
             </a:fld>
             <a:endParaRPr lang="en-SG"/>
           </a:p>
@@ -2199,7 +2205,7 @@
           <a:p>
             <a:fld id="{4F6F099E-6738-480F-955A-CF7FFBB19FCA}" type="datetimeFigureOut">
               <a:rPr lang="en-SG" smtClean="0"/>
-              <a:t>8/8/2017</a:t>
+              <a:t>12/8/2017</a:t>
             </a:fld>
             <a:endParaRPr lang="en-SG"/>
           </a:p>
@@ -2312,7 +2318,7 @@
           <a:p>
             <a:fld id="{4F6F099E-6738-480F-955A-CF7FFBB19FCA}" type="datetimeFigureOut">
               <a:rPr lang="en-SG" smtClean="0"/>
-              <a:t>8/8/2017</a:t>
+              <a:t>12/8/2017</a:t>
             </a:fld>
             <a:endParaRPr lang="en-SG"/>
           </a:p>
@@ -2625,7 +2631,7 @@
           <a:p>
             <a:fld id="{4F6F099E-6738-480F-955A-CF7FFBB19FCA}" type="datetimeFigureOut">
               <a:rPr lang="en-SG" smtClean="0"/>
-              <a:t>8/8/2017</a:t>
+              <a:t>12/8/2017</a:t>
             </a:fld>
             <a:endParaRPr lang="en-SG"/>
           </a:p>
@@ -2914,7 +2920,7 @@
           <a:p>
             <a:fld id="{4F6F099E-6738-480F-955A-CF7FFBB19FCA}" type="datetimeFigureOut">
               <a:rPr lang="en-SG" smtClean="0"/>
-              <a:t>8/8/2017</a:t>
+              <a:t>12/8/2017</a:t>
             </a:fld>
             <a:endParaRPr lang="en-SG"/>
           </a:p>
@@ -3157,7 +3163,7 @@
           <a:p>
             <a:fld id="{4F6F099E-6738-480F-955A-CF7FFBB19FCA}" type="datetimeFigureOut">
               <a:rPr lang="en-SG" smtClean="0"/>
-              <a:t>8/8/2017</a:t>
+              <a:t>12/8/2017</a:t>
             </a:fld>
             <a:endParaRPr lang="en-SG"/>
           </a:p>
@@ -4067,6 +4073,165 @@
 </p:sld>
 </file>
 
+<file path=ppt/slides/slide2.xml><?xml version="1.0" encoding="utf-8"?>
+<p:sld xmlns:a="http://schemas.openxmlformats.org/drawingml/2006/main" xmlns:r="http://schemas.openxmlformats.org/officeDocument/2006/relationships" xmlns:p="http://schemas.openxmlformats.org/presentationml/2006/main">
+  <p:cSld>
+    <p:spTree>
+      <p:nvGrpSpPr>
+        <p:cNvPr id="1" name=""/>
+        <p:cNvGrpSpPr/>
+        <p:nvPr/>
+      </p:nvGrpSpPr>
+      <p:grpSpPr>
+        <a:xfrm>
+          <a:off x="0" y="0"/>
+          <a:ext cx="0" cy="0"/>
+          <a:chOff x="0" y="0"/>
+          <a:chExt cx="0" cy="0"/>
+        </a:xfrm>
+      </p:grpSpPr>
+      <p:sp>
+        <p:nvSpPr>
+          <p:cNvPr id="2" name="Title 1">
+            <a:extLst>
+              <a:ext uri="{FF2B5EF4-FFF2-40B4-BE49-F238E27FC236}">
+                <a16:creationId xmlns:a16="http://schemas.microsoft.com/office/drawing/2014/main" id="{4391E9A4-EC4A-441F-A475-F3CC48F3C9AD}"/>
+              </a:ext>
+            </a:extLst>
+          </p:cNvPr>
+          <p:cNvSpPr>
+            <a:spLocks noGrp="1"/>
+          </p:cNvSpPr>
+          <p:nvPr>
+            <p:ph type="title"/>
+          </p:nvPr>
+        </p:nvSpPr>
+        <p:spPr/>
+        <p:txBody>
+          <a:bodyPr/>
+          <a:lstStyle/>
+          <a:p>
+            <a:r>
+              <a:rPr lang="en-SG" dirty="0"/>
+              <a:t>If you want to know more?</a:t>
+            </a:r>
+          </a:p>
+        </p:txBody>
+      </p:sp>
+      <p:sp>
+        <p:nvSpPr>
+          <p:cNvPr id="3" name="Content Placeholder 2">
+            <a:extLst>
+              <a:ext uri="{FF2B5EF4-FFF2-40B4-BE49-F238E27FC236}">
+                <a16:creationId xmlns:a16="http://schemas.microsoft.com/office/drawing/2014/main" id="{493D6C5F-DE1C-4779-B24E-1BF050D465FB}"/>
+              </a:ext>
+            </a:extLst>
+          </p:cNvPr>
+          <p:cNvSpPr>
+            <a:spLocks noGrp="1"/>
+          </p:cNvSpPr>
+          <p:nvPr>
+            <p:ph idx="1"/>
+          </p:nvPr>
+        </p:nvSpPr>
+        <p:spPr/>
+        <p:txBody>
+          <a:bodyPr/>
+          <a:lstStyle/>
+          <a:p>
+            <a:r>
+              <a:rPr lang="en-SG" dirty="0"/>
+              <a:t>About the short circuit limiter</a:t>
+            </a:r>
+          </a:p>
+          <a:p>
+            <a:r>
+              <a:rPr lang="en-SG" dirty="0" err="1"/>
+              <a:t>Hackware</a:t>
+            </a:r>
+            <a:r>
+              <a:rPr lang="en-SG" dirty="0"/>
+              <a:t> v3.4</a:t>
+            </a:r>
+          </a:p>
+          <a:p>
+            <a:pPr lvl="1"/>
+            <a:r>
+              <a:rPr lang="en-SG" dirty="0"/>
+              <a:t>7.30pm, Wed, 6 Sept 2017</a:t>
+            </a:r>
+          </a:p>
+          <a:p>
+            <a:pPr lvl="1"/>
+            <a:r>
+              <a:rPr lang="en-SG" dirty="0"/>
+              <a:t>Design and Engineering Laboratory, NUS High School</a:t>
+            </a:r>
+          </a:p>
+          <a:p>
+            <a:pPr lvl="1"/>
+            <a:r>
+              <a:rPr lang="en-SG" dirty="0">
+                <a:hlinkClick r:id="rId2"/>
+              </a:rPr>
+              <a:t>https://www.facebook.com/events/261629434317053/</a:t>
+            </a:r>
+            <a:endParaRPr lang="en-SG" dirty="0"/>
+          </a:p>
+          <a:p>
+            <a:pPr lvl="1"/>
+            <a:endParaRPr lang="en-SG" dirty="0"/>
+          </a:p>
+          <a:p>
+            <a:r>
+              <a:rPr lang="en-SG" dirty="0"/>
+              <a:t>NOT COMPULSORY!!!</a:t>
+            </a:r>
+          </a:p>
+        </p:txBody>
+      </p:sp>
+      <p:sp>
+        <p:nvSpPr>
+          <p:cNvPr id="4" name="Slide Number Placeholder 3">
+            <a:extLst>
+              <a:ext uri="{FF2B5EF4-FFF2-40B4-BE49-F238E27FC236}">
+                <a16:creationId xmlns:a16="http://schemas.microsoft.com/office/drawing/2014/main" id="{4B01F781-7B5B-4FB0-9631-269D89DE9626}"/>
+              </a:ext>
+            </a:extLst>
+          </p:cNvPr>
+          <p:cNvSpPr>
+            <a:spLocks noGrp="1"/>
+          </p:cNvSpPr>
+          <p:nvPr>
+            <p:ph type="sldNum" sz="quarter" idx="12"/>
+          </p:nvPr>
+        </p:nvSpPr>
+        <p:spPr/>
+        <p:txBody>
+          <a:bodyPr/>
+          <a:lstStyle/>
+          <a:p>
+            <a:fld id="{68EF4619-F19A-E048-BC08-46ED4E2D9E67}" type="slidenum">
+              <a:rPr lang="en-US" smtClean="0"/>
+              <a:t>2</a:t>
+            </a:fld>
+            <a:endParaRPr lang="en-US"/>
+          </a:p>
+        </p:txBody>
+      </p:sp>
+    </p:spTree>
+    <p:extLst>
+      <p:ext uri="{BB962C8B-B14F-4D97-AF65-F5344CB8AC3E}">
+        <p14:creationId xmlns:p14="http://schemas.microsoft.com/office/powerpoint/2010/main" val="4259321993"/>
+      </p:ext>
+    </p:extLst>
+  </p:cSld>
+  <p:clrMapOvr>
+    <a:masterClrMapping/>
+  </p:clrMapOvr>
+</p:sld>
+</file>
+
 <file path=ppt/theme/theme1.xml><?xml version="1.0" encoding="utf-8"?>
 <a:theme xmlns:a="http://schemas.openxmlformats.org/drawingml/2006/main" name="Office Theme">
   <a:themeElements>

--- a/training/About YKM.pptx
+++ b/training/About YKM.pptx
@@ -6,7 +6,6 @@
   </p:sldMasterIdLst>
   <p:sldIdLst>
     <p:sldId id="257" r:id="rId2"/>
-    <p:sldId id="258" r:id="rId3"/>
   </p:sldIdLst>
   <p:sldSz cx="12192000" cy="6858000"/>
   <p:notesSz cx="6858000" cy="9144000"/>
@@ -113,10 +112,6 @@
 </p:presentation>
 </file>
 
-<file path=ppt/revisionInfo.xml><?xml version="1.0" encoding="utf-8"?>
-<p1510:revInfo xmlns:a="http://schemas.openxmlformats.org/drawingml/2006/main" xmlns:r="http://schemas.openxmlformats.org/officeDocument/2006/relationships" xmlns:p1510="http://schemas.microsoft.com/office/powerpoint/2015/10/main"/>
-</file>
-
 <file path=ppt/slideLayouts/slideLayout1.xml><?xml version="1.0" encoding="utf-8"?>
 <p:sldLayout xmlns:a="http://schemas.openxmlformats.org/drawingml/2006/main" xmlns:r="http://schemas.openxmlformats.org/officeDocument/2006/relationships" xmlns:p="http://schemas.openxmlformats.org/presentationml/2006/main" type="title" preserve="1">
   <p:cSld name="Title Slide">
@@ -266,7 +261,7 @@
           <a:p>
             <a:fld id="{4F6F099E-6738-480F-955A-CF7FFBB19FCA}" type="datetimeFigureOut">
               <a:rPr lang="en-SG" smtClean="0"/>
-              <a:t>12/8/2017</a:t>
+              <a:t>20/10/2018</a:t>
             </a:fld>
             <a:endParaRPr lang="en-SG"/>
           </a:p>
@@ -466,7 +461,7 @@
           <a:p>
             <a:fld id="{4F6F099E-6738-480F-955A-CF7FFBB19FCA}" type="datetimeFigureOut">
               <a:rPr lang="en-SG" smtClean="0"/>
-              <a:t>12/8/2017</a:t>
+              <a:t>20/10/2018</a:t>
             </a:fld>
             <a:endParaRPr lang="en-SG"/>
           </a:p>
@@ -676,7 +671,7 @@
           <a:p>
             <a:fld id="{4F6F099E-6738-480F-955A-CF7FFBB19FCA}" type="datetimeFigureOut">
               <a:rPr lang="en-SG" smtClean="0"/>
-              <a:t>12/8/2017</a:t>
+              <a:t>20/10/2018</a:t>
             </a:fld>
             <a:endParaRPr lang="en-SG"/>
           </a:p>
@@ -1104,7 +1099,7 @@
           <a:p>
             <a:fld id="{4F6F099E-6738-480F-955A-CF7FFBB19FCA}" type="datetimeFigureOut">
               <a:rPr lang="en-SG" smtClean="0"/>
-              <a:t>12/8/2017</a:t>
+              <a:t>20/10/2018</a:t>
             </a:fld>
             <a:endParaRPr lang="en-SG"/>
           </a:p>
@@ -1380,7 +1375,7 @@
           <a:p>
             <a:fld id="{4F6F099E-6738-480F-955A-CF7FFBB19FCA}" type="datetimeFigureOut">
               <a:rPr lang="en-SG" smtClean="0"/>
-              <a:t>12/8/2017</a:t>
+              <a:t>20/10/2018</a:t>
             </a:fld>
             <a:endParaRPr lang="en-SG"/>
           </a:p>
@@ -1648,7 +1643,7 @@
           <a:p>
             <a:fld id="{4F6F099E-6738-480F-955A-CF7FFBB19FCA}" type="datetimeFigureOut">
               <a:rPr lang="en-SG" smtClean="0"/>
-              <a:t>12/8/2017</a:t>
+              <a:t>20/10/2018</a:t>
             </a:fld>
             <a:endParaRPr lang="en-SG"/>
           </a:p>
@@ -2063,7 +2058,7 @@
           <a:p>
             <a:fld id="{4F6F099E-6738-480F-955A-CF7FFBB19FCA}" type="datetimeFigureOut">
               <a:rPr lang="en-SG" smtClean="0"/>
-              <a:t>12/8/2017</a:t>
+              <a:t>20/10/2018</a:t>
             </a:fld>
             <a:endParaRPr lang="en-SG"/>
           </a:p>
@@ -2205,7 +2200,7 @@
           <a:p>
             <a:fld id="{4F6F099E-6738-480F-955A-CF7FFBB19FCA}" type="datetimeFigureOut">
               <a:rPr lang="en-SG" smtClean="0"/>
-              <a:t>12/8/2017</a:t>
+              <a:t>20/10/2018</a:t>
             </a:fld>
             <a:endParaRPr lang="en-SG"/>
           </a:p>
@@ -2318,7 +2313,7 @@
           <a:p>
             <a:fld id="{4F6F099E-6738-480F-955A-CF7FFBB19FCA}" type="datetimeFigureOut">
               <a:rPr lang="en-SG" smtClean="0"/>
-              <a:t>12/8/2017</a:t>
+              <a:t>20/10/2018</a:t>
             </a:fld>
             <a:endParaRPr lang="en-SG"/>
           </a:p>
@@ -2631,7 +2626,7 @@
           <a:p>
             <a:fld id="{4F6F099E-6738-480F-955A-CF7FFBB19FCA}" type="datetimeFigureOut">
               <a:rPr lang="en-SG" smtClean="0"/>
-              <a:t>12/8/2017</a:t>
+              <a:t>20/10/2018</a:t>
             </a:fld>
             <a:endParaRPr lang="en-SG"/>
           </a:p>
@@ -2920,7 +2915,7 @@
           <a:p>
             <a:fld id="{4F6F099E-6738-480F-955A-CF7FFBB19FCA}" type="datetimeFigureOut">
               <a:rPr lang="en-SG" smtClean="0"/>
-              <a:t>12/8/2017</a:t>
+              <a:t>20/10/2018</a:t>
             </a:fld>
             <a:endParaRPr lang="en-SG"/>
           </a:p>
@@ -3163,7 +3158,7 @@
           <a:p>
             <a:fld id="{4F6F099E-6738-480F-955A-CF7FFBB19FCA}" type="datetimeFigureOut">
               <a:rPr lang="en-SG" smtClean="0"/>
-              <a:t>12/8/2017</a:t>
+              <a:t>20/10/2018</a:t>
             </a:fld>
             <a:endParaRPr lang="en-SG"/>
           </a:p>
@@ -4073,165 +4068,6 @@
 </p:sld>
 </file>
 
-<file path=ppt/slides/slide2.xml><?xml version="1.0" encoding="utf-8"?>
-<p:sld xmlns:a="http://schemas.openxmlformats.org/drawingml/2006/main" xmlns:r="http://schemas.openxmlformats.org/officeDocument/2006/relationships" xmlns:p="http://schemas.openxmlformats.org/presentationml/2006/main">
-  <p:cSld>
-    <p:spTree>
-      <p:nvGrpSpPr>
-        <p:cNvPr id="1" name=""/>
-        <p:cNvGrpSpPr/>
-        <p:nvPr/>
-      </p:nvGrpSpPr>
-      <p:grpSpPr>
-        <a:xfrm>
-          <a:off x="0" y="0"/>
-          <a:ext cx="0" cy="0"/>
-          <a:chOff x="0" y="0"/>
-          <a:chExt cx="0" cy="0"/>
-        </a:xfrm>
-      </p:grpSpPr>
-      <p:sp>
-        <p:nvSpPr>
-          <p:cNvPr id="2" name="Title 1">
-            <a:extLst>
-              <a:ext uri="{FF2B5EF4-FFF2-40B4-BE49-F238E27FC236}">
-                <a16:creationId xmlns:a16="http://schemas.microsoft.com/office/drawing/2014/main" id="{4391E9A4-EC4A-441F-A475-F3CC48F3C9AD}"/>
-              </a:ext>
-            </a:extLst>
-          </p:cNvPr>
-          <p:cNvSpPr>
-            <a:spLocks noGrp="1"/>
-          </p:cNvSpPr>
-          <p:nvPr>
-            <p:ph type="title"/>
-          </p:nvPr>
-        </p:nvSpPr>
-        <p:spPr/>
-        <p:txBody>
-          <a:bodyPr/>
-          <a:lstStyle/>
-          <a:p>
-            <a:r>
-              <a:rPr lang="en-SG" dirty="0"/>
-              <a:t>If you want to know more?</a:t>
-            </a:r>
-          </a:p>
-        </p:txBody>
-      </p:sp>
-      <p:sp>
-        <p:nvSpPr>
-          <p:cNvPr id="3" name="Content Placeholder 2">
-            <a:extLst>
-              <a:ext uri="{FF2B5EF4-FFF2-40B4-BE49-F238E27FC236}">
-                <a16:creationId xmlns:a16="http://schemas.microsoft.com/office/drawing/2014/main" id="{493D6C5F-DE1C-4779-B24E-1BF050D465FB}"/>
-              </a:ext>
-            </a:extLst>
-          </p:cNvPr>
-          <p:cNvSpPr>
-            <a:spLocks noGrp="1"/>
-          </p:cNvSpPr>
-          <p:nvPr>
-            <p:ph idx="1"/>
-          </p:nvPr>
-        </p:nvSpPr>
-        <p:spPr/>
-        <p:txBody>
-          <a:bodyPr/>
-          <a:lstStyle/>
-          <a:p>
-            <a:r>
-              <a:rPr lang="en-SG" dirty="0"/>
-              <a:t>About the short circuit limiter</a:t>
-            </a:r>
-          </a:p>
-          <a:p>
-            <a:r>
-              <a:rPr lang="en-SG" dirty="0" err="1"/>
-              <a:t>Hackware</a:t>
-            </a:r>
-            <a:r>
-              <a:rPr lang="en-SG" dirty="0"/>
-              <a:t> v3.4</a:t>
-            </a:r>
-          </a:p>
-          <a:p>
-            <a:pPr lvl="1"/>
-            <a:r>
-              <a:rPr lang="en-SG" dirty="0"/>
-              <a:t>7.30pm, Wed, 6 Sept 2017</a:t>
-            </a:r>
-          </a:p>
-          <a:p>
-            <a:pPr lvl="1"/>
-            <a:r>
-              <a:rPr lang="en-SG" dirty="0"/>
-              <a:t>Design and Engineering Laboratory, NUS High School</a:t>
-            </a:r>
-          </a:p>
-          <a:p>
-            <a:pPr lvl="1"/>
-            <a:r>
-              <a:rPr lang="en-SG" dirty="0">
-                <a:hlinkClick r:id="rId2"/>
-              </a:rPr>
-              <a:t>https://www.facebook.com/events/261629434317053/</a:t>
-            </a:r>
-            <a:endParaRPr lang="en-SG" dirty="0"/>
-          </a:p>
-          <a:p>
-            <a:pPr lvl="1"/>
-            <a:endParaRPr lang="en-SG" dirty="0"/>
-          </a:p>
-          <a:p>
-            <a:r>
-              <a:rPr lang="en-SG" dirty="0"/>
-              <a:t>NOT COMPULSORY!!!</a:t>
-            </a:r>
-          </a:p>
-        </p:txBody>
-      </p:sp>
-      <p:sp>
-        <p:nvSpPr>
-          <p:cNvPr id="4" name="Slide Number Placeholder 3">
-            <a:extLst>
-              <a:ext uri="{FF2B5EF4-FFF2-40B4-BE49-F238E27FC236}">
-                <a16:creationId xmlns:a16="http://schemas.microsoft.com/office/drawing/2014/main" id="{4B01F781-7B5B-4FB0-9631-269D89DE9626}"/>
-              </a:ext>
-            </a:extLst>
-          </p:cNvPr>
-          <p:cNvSpPr>
-            <a:spLocks noGrp="1"/>
-          </p:cNvSpPr>
-          <p:nvPr>
-            <p:ph type="sldNum" sz="quarter" idx="12"/>
-          </p:nvPr>
-        </p:nvSpPr>
-        <p:spPr/>
-        <p:txBody>
-          <a:bodyPr/>
-          <a:lstStyle/>
-          <a:p>
-            <a:fld id="{68EF4619-F19A-E048-BC08-46ED4E2D9E67}" type="slidenum">
-              <a:rPr lang="en-US" smtClean="0"/>
-              <a:t>2</a:t>
-            </a:fld>
-            <a:endParaRPr lang="en-US"/>
-          </a:p>
-        </p:txBody>
-      </p:sp>
-    </p:spTree>
-    <p:extLst>
-      <p:ext uri="{BB962C8B-B14F-4D97-AF65-F5344CB8AC3E}">
-        <p14:creationId xmlns:p14="http://schemas.microsoft.com/office/powerpoint/2010/main" val="4259321993"/>
-      </p:ext>
-    </p:extLst>
-  </p:cSld>
-  <p:clrMapOvr>
-    <a:masterClrMapping/>
-  </p:clrMapOvr>
-</p:sld>
-</file>
-
 <file path=ppt/theme/theme1.xml><?xml version="1.0" encoding="utf-8"?>
 <a:theme xmlns:a="http://schemas.openxmlformats.org/drawingml/2006/main" name="Office Theme">
   <a:themeElements>

--- a/training/About YKM.pptx
+++ b/training/About YKM.pptx
@@ -5,7 +5,7 @@
     <p:sldMasterId id="2147483648" r:id="rId1"/>
   </p:sldMasterIdLst>
   <p:sldIdLst>
-    <p:sldId id="257" r:id="rId2"/>
+    <p:sldId id="328" r:id="rId2"/>
   </p:sldIdLst>
   <p:sldSz cx="12192000" cy="6858000"/>
   <p:notesSz cx="6858000" cy="9144000"/>
@@ -261,7 +261,7 @@
           <a:p>
             <a:fld id="{4F6F099E-6738-480F-955A-CF7FFBB19FCA}" type="datetimeFigureOut">
               <a:rPr lang="en-SG" smtClean="0"/>
-              <a:t>20/10/2018</a:t>
+              <a:t>10/2/19</a:t>
             </a:fld>
             <a:endParaRPr lang="en-SG"/>
           </a:p>
@@ -461,7 +461,7 @@
           <a:p>
             <a:fld id="{4F6F099E-6738-480F-955A-CF7FFBB19FCA}" type="datetimeFigureOut">
               <a:rPr lang="en-SG" smtClean="0"/>
-              <a:t>20/10/2018</a:t>
+              <a:t>10/2/19</a:t>
             </a:fld>
             <a:endParaRPr lang="en-SG"/>
           </a:p>
@@ -671,7 +671,7 @@
           <a:p>
             <a:fld id="{4F6F099E-6738-480F-955A-CF7FFBB19FCA}" type="datetimeFigureOut">
               <a:rPr lang="en-SG" smtClean="0"/>
-              <a:t>20/10/2018</a:t>
+              <a:t>10/2/19</a:t>
             </a:fld>
             <a:endParaRPr lang="en-SG"/>
           </a:p>
@@ -1099,7 +1099,7 @@
           <a:p>
             <a:fld id="{4F6F099E-6738-480F-955A-CF7FFBB19FCA}" type="datetimeFigureOut">
               <a:rPr lang="en-SG" smtClean="0"/>
-              <a:t>20/10/2018</a:t>
+              <a:t>10/2/19</a:t>
             </a:fld>
             <a:endParaRPr lang="en-SG"/>
           </a:p>
@@ -1375,7 +1375,7 @@
           <a:p>
             <a:fld id="{4F6F099E-6738-480F-955A-CF7FFBB19FCA}" type="datetimeFigureOut">
               <a:rPr lang="en-SG" smtClean="0"/>
-              <a:t>20/10/2018</a:t>
+              <a:t>10/2/19</a:t>
             </a:fld>
             <a:endParaRPr lang="en-SG"/>
           </a:p>
@@ -1643,7 +1643,7 @@
           <a:p>
             <a:fld id="{4F6F099E-6738-480F-955A-CF7FFBB19FCA}" type="datetimeFigureOut">
               <a:rPr lang="en-SG" smtClean="0"/>
-              <a:t>20/10/2018</a:t>
+              <a:t>10/2/19</a:t>
             </a:fld>
             <a:endParaRPr lang="en-SG"/>
           </a:p>
@@ -2058,7 +2058,7 @@
           <a:p>
             <a:fld id="{4F6F099E-6738-480F-955A-CF7FFBB19FCA}" type="datetimeFigureOut">
               <a:rPr lang="en-SG" smtClean="0"/>
-              <a:t>20/10/2018</a:t>
+              <a:t>10/2/19</a:t>
             </a:fld>
             <a:endParaRPr lang="en-SG"/>
           </a:p>
@@ -2200,7 +2200,7 @@
           <a:p>
             <a:fld id="{4F6F099E-6738-480F-955A-CF7FFBB19FCA}" type="datetimeFigureOut">
               <a:rPr lang="en-SG" smtClean="0"/>
-              <a:t>20/10/2018</a:t>
+              <a:t>10/2/19</a:t>
             </a:fld>
             <a:endParaRPr lang="en-SG"/>
           </a:p>
@@ -2313,7 +2313,7 @@
           <a:p>
             <a:fld id="{4F6F099E-6738-480F-955A-CF7FFBB19FCA}" type="datetimeFigureOut">
               <a:rPr lang="en-SG" smtClean="0"/>
-              <a:t>20/10/2018</a:t>
+              <a:t>10/2/19</a:t>
             </a:fld>
             <a:endParaRPr lang="en-SG"/>
           </a:p>
@@ -2626,7 +2626,7 @@
           <a:p>
             <a:fld id="{4F6F099E-6738-480F-955A-CF7FFBB19FCA}" type="datetimeFigureOut">
               <a:rPr lang="en-SG" smtClean="0"/>
-              <a:t>20/10/2018</a:t>
+              <a:t>10/2/19</a:t>
             </a:fld>
             <a:endParaRPr lang="en-SG"/>
           </a:p>
@@ -2915,7 +2915,7 @@
           <a:p>
             <a:fld id="{4F6F099E-6738-480F-955A-CF7FFBB19FCA}" type="datetimeFigureOut">
               <a:rPr lang="en-SG" smtClean="0"/>
-              <a:t>20/10/2018</a:t>
+              <a:t>10/2/19</a:t>
             </a:fld>
             <a:endParaRPr lang="en-SG"/>
           </a:p>
@@ -3158,7 +3158,7 @@
           <a:p>
             <a:fld id="{4F6F099E-6738-480F-955A-CF7FFBB19FCA}" type="datetimeFigureOut">
               <a:rPr lang="en-SG" smtClean="0"/>
-              <a:t>20/10/2018</a:t>
+              <a:t>10/2/19</a:t>
             </a:fld>
             <a:endParaRPr lang="en-SG"/>
           </a:p>
@@ -3637,8 +3637,20 @@
             </a:pPr>
             <a:r>
               <a:rPr lang="en-SG" dirty="0"/>
-              <a:t>Volunteered in RK since Mar 2015</a:t>
-            </a:r>
+              <a:t>Volunteer in RK since Mar 2015</a:t>
+            </a:r>
+          </a:p>
+          <a:p>
+            <a:pPr marL="0" indent="0">
+              <a:lnSpc>
+                <a:spcPct val="100000"/>
+              </a:lnSpc>
+              <a:spcAft>
+                <a:spcPts val="600"/>
+              </a:spcAft>
+              <a:buNone/>
+            </a:pPr>
+            <a:endParaRPr lang="en-SG" dirty="0"/>
           </a:p>
           <a:p>
             <a:pPr marL="285750" indent="-285750">
@@ -3649,7 +3661,10 @@
                 <a:spcPts val="600"/>
               </a:spcAft>
             </a:pPr>
-            <a:endParaRPr lang="en-SG" dirty="0"/>
+            <a:r>
+              <a:rPr lang="en-SG" dirty="0"/>
+              <a:t>2015 NUS Computer Science</a:t>
+            </a:r>
           </a:p>
           <a:p>
             <a:pPr marL="285750" indent="-285750">
@@ -3660,7 +3675,10 @@
                 <a:spcPts val="600"/>
               </a:spcAft>
             </a:pPr>
-            <a:endParaRPr lang="en-SG" dirty="0"/>
+            <a:r>
+              <a:rPr lang="en-SG" dirty="0"/>
+              <a:t>IoT Engineer @ SP Digital Technology</a:t>
+            </a:r>
           </a:p>
           <a:p>
             <a:pPr marL="285750" indent="-285750">
@@ -3671,81 +3689,9 @@
                 <a:spcPts val="600"/>
               </a:spcAft>
             </a:pPr>
-            <a:endParaRPr lang="en-SG" dirty="0"/>
-          </a:p>
-          <a:p>
-            <a:pPr>
-              <a:lnSpc>
-                <a:spcPct val="100000"/>
-              </a:lnSpc>
-              <a:spcAft>
-                <a:spcPts val="600"/>
-              </a:spcAft>
-            </a:pPr>
-            <a:endParaRPr lang="en-SG" dirty="0"/>
-          </a:p>
-          <a:p>
-            <a:pPr marL="285750" indent="-285750">
-              <a:lnSpc>
-                <a:spcPct val="100000"/>
-              </a:lnSpc>
-              <a:spcAft>
-                <a:spcPts val="600"/>
-              </a:spcAft>
-            </a:pPr>
-            <a:endParaRPr lang="en-SG" dirty="0"/>
-          </a:p>
-          <a:p>
-            <a:pPr marL="285750" indent="-285750">
-              <a:lnSpc>
-                <a:spcPct val="100000"/>
-              </a:lnSpc>
-              <a:spcAft>
-                <a:spcPts val="600"/>
-              </a:spcAft>
-            </a:pPr>
-            <a:endParaRPr lang="en-SG" dirty="0"/>
-          </a:p>
-          <a:p>
-            <a:pPr marL="285750" indent="-285750">
-              <a:lnSpc>
-                <a:spcPct val="100000"/>
-              </a:lnSpc>
-              <a:spcAft>
-                <a:spcPts val="600"/>
-              </a:spcAft>
-            </a:pPr>
             <a:r>
               <a:rPr lang="en-SG" dirty="0"/>
-              <a:t>2015 NUS Computer Science</a:t>
-            </a:r>
-          </a:p>
-          <a:p>
-            <a:pPr marL="285750" indent="-285750">
-              <a:lnSpc>
-                <a:spcPct val="100000"/>
-              </a:lnSpc>
-              <a:spcAft>
-                <a:spcPts val="600"/>
-              </a:spcAft>
-            </a:pPr>
-            <a:r>
-              <a:rPr lang="en-SG" dirty="0"/>
-              <a:t>IoT Engineer</a:t>
-            </a:r>
-          </a:p>
-          <a:p>
-            <a:pPr marL="285750" indent="-285750">
-              <a:lnSpc>
-                <a:spcPct val="100000"/>
-              </a:lnSpc>
-              <a:spcAft>
-                <a:spcPts val="600"/>
-              </a:spcAft>
-            </a:pPr>
-            <a:r>
-              <a:rPr lang="en-SG" dirty="0"/>
-              <a:t>Singapore Power Digital Technology (since Sept 2016)</a:t>
+              <a:t>Private Pilot since Jan 2019</a:t>
             </a:r>
           </a:p>
         </p:txBody>
@@ -3766,7 +3712,7 @@
         </p:blipFill>
         <p:spPr>
           <a:xfrm>
-            <a:off x="179781" y="2443739"/>
+            <a:off x="5405418" y="4247720"/>
             <a:ext cx="6398311" cy="2072181"/>
           </a:xfrm>
           <a:prstGeom prst="rect">
@@ -3843,10 +3789,40 @@
           </a:p>
         </p:txBody>
       </p:sp>
+      <p:pic>
+        <p:nvPicPr>
+          <p:cNvPr id="8" name="Picture 7">
+            <a:extLst>
+              <a:ext uri="{FF2B5EF4-FFF2-40B4-BE49-F238E27FC236}">
+                <a16:creationId xmlns:a16="http://schemas.microsoft.com/office/drawing/2014/main" id="{80BD5C0D-56C7-E242-B6DF-63AD57E828DD}"/>
+              </a:ext>
+            </a:extLst>
+          </p:cNvPr>
+          <p:cNvPicPr>
+            <a:picLocks noChangeAspect="1"/>
+          </p:cNvPicPr>
+          <p:nvPr/>
+        </p:nvPicPr>
+        <p:blipFill>
+          <a:blip r:embed="rId4"/>
+          <a:stretch>
+            <a:fillRect/>
+          </a:stretch>
+        </p:blipFill>
+        <p:spPr>
+          <a:xfrm>
+            <a:off x="388271" y="3875094"/>
+            <a:ext cx="3705848" cy="2779386"/>
+          </a:xfrm>
+          <a:prstGeom prst="rect">
+            <a:avLst/>
+          </a:prstGeom>
+        </p:spPr>
+      </p:pic>
     </p:spTree>
     <p:extLst>
       <p:ext uri="{BB962C8B-B14F-4D97-AF65-F5344CB8AC3E}">
-        <p14:creationId xmlns:p14="http://schemas.microsoft.com/office/powerpoint/2010/main" val="2313293537"/>
+        <p14:creationId xmlns:p14="http://schemas.microsoft.com/office/powerpoint/2010/main" val="1352238523"/>
       </p:ext>
     </p:extLst>
   </p:cSld>
@@ -3887,7 +3863,11 @@
                                           </p:stCondLst>
                                         </p:cTn>
                                         <p:tgtEl>
-                                          <p:spTgt spid="5"/>
+                                          <p:spTgt spid="3">
+                                            <p:txEl>
+                                              <p:pRg st="4" end="4"/>
+                                            </p:txEl>
+                                          </p:spTgt>
                                         </p:tgtEl>
                                         <p:attrNameLst>
                                           <p:attrName>style.visibility</p:attrName>
@@ -3901,7 +3881,11 @@
                                       <p:cBhvr>
                                         <p:cTn id="7" dur="500"/>
                                         <p:tgtEl>
-                                          <p:spTgt spid="5"/>
+                                          <p:spTgt spid="3">
+                                            <p:txEl>
+                                              <p:pRg st="4" end="4"/>
+                                            </p:txEl>
+                                          </p:spTgt>
                                         </p:tgtEl>
                                       </p:cBhvr>
                                     </p:animEffect>
@@ -3922,11 +3906,7 @@
                                           </p:stCondLst>
                                         </p:cTn>
                                         <p:tgtEl>
-                                          <p:spTgt spid="3">
-                                            <p:txEl>
-                                              <p:pRg st="7" end="7"/>
-                                            </p:txEl>
-                                          </p:spTgt>
+                                          <p:spTgt spid="8"/>
                                         </p:tgtEl>
                                         <p:attrNameLst>
                                           <p:attrName>style.visibility</p:attrName>
@@ -3940,97 +3920,7 @@
                                       <p:cBhvr>
                                         <p:cTn id="10" dur="500"/>
                                         <p:tgtEl>
-                                          <p:spTgt spid="3">
-                                            <p:txEl>
-                                              <p:pRg st="7" end="7"/>
-                                            </p:txEl>
-                                          </p:spTgt>
-                                        </p:tgtEl>
-                                      </p:cBhvr>
-                                    </p:animEffect>
-                                  </p:childTnLst>
-                                </p:cTn>
-                              </p:par>
-                              <p:par>
-                                <p:cTn id="11" presetID="10" presetClass="entr" presetSubtype="0" fill="hold" nodeType="withEffect">
-                                  <p:stCondLst>
-                                    <p:cond delay="0"/>
-                                  </p:stCondLst>
-                                  <p:childTnLst>
-                                    <p:set>
-                                      <p:cBhvr>
-                                        <p:cTn id="12" dur="1" fill="hold">
-                                          <p:stCondLst>
-                                            <p:cond delay="0"/>
-                                          </p:stCondLst>
-                                        </p:cTn>
-                                        <p:tgtEl>
-                                          <p:spTgt spid="3">
-                                            <p:txEl>
-                                              <p:pRg st="8" end="8"/>
-                                            </p:txEl>
-                                          </p:spTgt>
-                                        </p:tgtEl>
-                                        <p:attrNameLst>
-                                          <p:attrName>style.visibility</p:attrName>
-                                        </p:attrNameLst>
-                                      </p:cBhvr>
-                                      <p:to>
-                                        <p:strVal val="visible"/>
-                                      </p:to>
-                                    </p:set>
-                                    <p:animEffect transition="in" filter="fade">
-                                      <p:cBhvr>
-                                        <p:cTn id="13" dur="500"/>
-                                        <p:tgtEl>
-                                          <p:spTgt spid="3">
-                                            <p:txEl>
-                                              <p:pRg st="8" end="8"/>
-                                            </p:txEl>
-                                          </p:spTgt>
-                                        </p:tgtEl>
-                                      </p:cBhvr>
-                                    </p:animEffect>
-                                  </p:childTnLst>
-                                </p:cTn>
-                              </p:par>
-                              <p:par>
-                                <p:cTn id="14" presetID="10" presetClass="entr" presetSubtype="0" fill="hold" nodeType="withEffect">
-                                  <p:stCondLst>
-                                    <p:cond delay="0"/>
-                                  </p:stCondLst>
-                                  <p:childTnLst>
-                                    <p:set>
-                                      <p:cBhvr>
-                                        <p:cTn id="15" dur="1" fill="hold">
-                                          <p:stCondLst>
-                                            <p:cond delay="0"/>
-                                          </p:stCondLst>
-                                        </p:cTn>
-                                        <p:tgtEl>
-                                          <p:spTgt spid="3">
-                                            <p:txEl>
-                                              <p:pRg st="9" end="9"/>
-                                            </p:txEl>
-                                          </p:spTgt>
-                                        </p:tgtEl>
-                                        <p:attrNameLst>
-                                          <p:attrName>style.visibility</p:attrName>
-                                        </p:attrNameLst>
-                                      </p:cBhvr>
-                                      <p:to>
-                                        <p:strVal val="visible"/>
-                                      </p:to>
-                                    </p:set>
-                                    <p:animEffect transition="in" filter="fade">
-                                      <p:cBhvr>
-                                        <p:cTn id="16" dur="500"/>
-                                        <p:tgtEl>
-                                          <p:spTgt spid="3">
-                                            <p:txEl>
-                                              <p:pRg st="9" end="9"/>
-                                            </p:txEl>
-                                          </p:spTgt>
+                                          <p:spTgt spid="8"/>
                                         </p:tgtEl>
                                       </p:cBhvr>
                                     </p:animEffect>

--- a/training/About YKM.pptx
+++ b/training/About YKM.pptx
@@ -261,7 +261,7 @@
           <a:p>
             <a:fld id="{4F6F099E-6738-480F-955A-CF7FFBB19FCA}" type="datetimeFigureOut">
               <a:rPr lang="en-SG" smtClean="0"/>
-              <a:t>10/2/19</a:t>
+              <a:t>20/4/2019</a:t>
             </a:fld>
             <a:endParaRPr lang="en-SG"/>
           </a:p>
@@ -461,7 +461,7 @@
           <a:p>
             <a:fld id="{4F6F099E-6738-480F-955A-CF7FFBB19FCA}" type="datetimeFigureOut">
               <a:rPr lang="en-SG" smtClean="0"/>
-              <a:t>10/2/19</a:t>
+              <a:t>20/4/2019</a:t>
             </a:fld>
             <a:endParaRPr lang="en-SG"/>
           </a:p>
@@ -671,7 +671,7 @@
           <a:p>
             <a:fld id="{4F6F099E-6738-480F-955A-CF7FFBB19FCA}" type="datetimeFigureOut">
               <a:rPr lang="en-SG" smtClean="0"/>
-              <a:t>10/2/19</a:t>
+              <a:t>20/4/2019</a:t>
             </a:fld>
             <a:endParaRPr lang="en-SG"/>
           </a:p>
@@ -1099,7 +1099,7 @@
           <a:p>
             <a:fld id="{4F6F099E-6738-480F-955A-CF7FFBB19FCA}" type="datetimeFigureOut">
               <a:rPr lang="en-SG" smtClean="0"/>
-              <a:t>10/2/19</a:t>
+              <a:t>20/4/2019</a:t>
             </a:fld>
             <a:endParaRPr lang="en-SG"/>
           </a:p>
@@ -1375,7 +1375,7 @@
           <a:p>
             <a:fld id="{4F6F099E-6738-480F-955A-CF7FFBB19FCA}" type="datetimeFigureOut">
               <a:rPr lang="en-SG" smtClean="0"/>
-              <a:t>10/2/19</a:t>
+              <a:t>20/4/2019</a:t>
             </a:fld>
             <a:endParaRPr lang="en-SG"/>
           </a:p>
@@ -1643,7 +1643,7 @@
           <a:p>
             <a:fld id="{4F6F099E-6738-480F-955A-CF7FFBB19FCA}" type="datetimeFigureOut">
               <a:rPr lang="en-SG" smtClean="0"/>
-              <a:t>10/2/19</a:t>
+              <a:t>20/4/2019</a:t>
             </a:fld>
             <a:endParaRPr lang="en-SG"/>
           </a:p>
@@ -2058,7 +2058,7 @@
           <a:p>
             <a:fld id="{4F6F099E-6738-480F-955A-CF7FFBB19FCA}" type="datetimeFigureOut">
               <a:rPr lang="en-SG" smtClean="0"/>
-              <a:t>10/2/19</a:t>
+              <a:t>20/4/2019</a:t>
             </a:fld>
             <a:endParaRPr lang="en-SG"/>
           </a:p>
@@ -2200,7 +2200,7 @@
           <a:p>
             <a:fld id="{4F6F099E-6738-480F-955A-CF7FFBB19FCA}" type="datetimeFigureOut">
               <a:rPr lang="en-SG" smtClean="0"/>
-              <a:t>10/2/19</a:t>
+              <a:t>20/4/2019</a:t>
             </a:fld>
             <a:endParaRPr lang="en-SG"/>
           </a:p>
@@ -2313,7 +2313,7 @@
           <a:p>
             <a:fld id="{4F6F099E-6738-480F-955A-CF7FFBB19FCA}" type="datetimeFigureOut">
               <a:rPr lang="en-SG" smtClean="0"/>
-              <a:t>10/2/19</a:t>
+              <a:t>20/4/2019</a:t>
             </a:fld>
             <a:endParaRPr lang="en-SG"/>
           </a:p>
@@ -2626,7 +2626,7 @@
           <a:p>
             <a:fld id="{4F6F099E-6738-480F-955A-CF7FFBB19FCA}" type="datetimeFigureOut">
               <a:rPr lang="en-SG" smtClean="0"/>
-              <a:t>10/2/19</a:t>
+              <a:t>20/4/2019</a:t>
             </a:fld>
             <a:endParaRPr lang="en-SG"/>
           </a:p>
@@ -2915,7 +2915,7 @@
           <a:p>
             <a:fld id="{4F6F099E-6738-480F-955A-CF7FFBB19FCA}" type="datetimeFigureOut">
               <a:rPr lang="en-SG" smtClean="0"/>
-              <a:t>10/2/19</a:t>
+              <a:t>20/4/2019</a:t>
             </a:fld>
             <a:endParaRPr lang="en-SG"/>
           </a:p>
@@ -3158,7 +3158,7 @@
           <a:p>
             <a:fld id="{4F6F099E-6738-480F-955A-CF7FFBB19FCA}" type="datetimeFigureOut">
               <a:rPr lang="en-SG" smtClean="0"/>
-              <a:t>10/2/19</a:t>
+              <a:t>20/4/2019</a:t>
             </a:fld>
             <a:endParaRPr lang="en-SG"/>
           </a:p>
@@ -3677,22 +3677,13 @@
             </a:pPr>
             <a:r>
               <a:rPr lang="en-SG" dirty="0"/>
-              <a:t>IoT Engineer @ SP Digital Technology</a:t>
-            </a:r>
-          </a:p>
-          <a:p>
-            <a:pPr marL="285750" indent="-285750">
-              <a:lnSpc>
-                <a:spcPct val="100000"/>
-              </a:lnSpc>
-              <a:spcAft>
-                <a:spcPts val="600"/>
-              </a:spcAft>
-            </a:pPr>
-            <a:r>
-              <a:rPr lang="en-SG" dirty="0"/>
-              <a:t>Private Pilot since Jan 2019</a:t>
-            </a:r>
+              <a:t>IoT Engineer @ SP </a:t>
+            </a:r>
+            <a:r>
+              <a:rPr lang="en-SG"/>
+              <a:t>Digital Technology</a:t>
+            </a:r>
+            <a:endParaRPr lang="en-SG" dirty="0"/>
           </a:p>
         </p:txBody>
       </p:sp>
@@ -3789,36 +3780,6 @@
           </a:p>
         </p:txBody>
       </p:sp>
-      <p:pic>
-        <p:nvPicPr>
-          <p:cNvPr id="8" name="Picture 7">
-            <a:extLst>
-              <a:ext uri="{FF2B5EF4-FFF2-40B4-BE49-F238E27FC236}">
-                <a16:creationId xmlns:a16="http://schemas.microsoft.com/office/drawing/2014/main" id="{80BD5C0D-56C7-E242-B6DF-63AD57E828DD}"/>
-              </a:ext>
-            </a:extLst>
-          </p:cNvPr>
-          <p:cNvPicPr>
-            <a:picLocks noChangeAspect="1"/>
-          </p:cNvPicPr>
-          <p:nvPr/>
-        </p:nvPicPr>
-        <p:blipFill>
-          <a:blip r:embed="rId4"/>
-          <a:stretch>
-            <a:fillRect/>
-          </a:stretch>
-        </p:blipFill>
-        <p:spPr>
-          <a:xfrm>
-            <a:off x="388271" y="3875094"/>
-            <a:ext cx="3705848" cy="2779386"/>
-          </a:xfrm>
-          <a:prstGeom prst="rect">
-            <a:avLst/>
-          </a:prstGeom>
-        </p:spPr>
-      </p:pic>
     </p:spTree>
     <p:extLst>
       <p:ext uri="{BB962C8B-B14F-4D97-AF65-F5344CB8AC3E}">
@@ -3829,132 +3790,6 @@
   <p:clrMapOvr>
     <a:masterClrMapping/>
   </p:clrMapOvr>
-  <p:timing>
-    <p:tnLst>
-      <p:par>
-        <p:cTn id="1" dur="indefinite" restart="never" nodeType="tmRoot">
-          <p:childTnLst>
-            <p:seq concurrent="1" nextAc="seek">
-              <p:cTn id="2" dur="indefinite" nodeType="mainSeq">
-                <p:childTnLst>
-                  <p:par>
-                    <p:cTn id="3" fill="hold">
-                      <p:stCondLst>
-                        <p:cond delay="indefinite"/>
-                      </p:stCondLst>
-                      <p:childTnLst>
-                        <p:par>
-                          <p:cTn id="4" fill="hold">
-                            <p:stCondLst>
-                              <p:cond delay="0"/>
-                            </p:stCondLst>
-                            <p:childTnLst>
-                              <p:par>
-                                <p:cTn id="5" presetID="10" presetClass="entr" presetSubtype="0" fill="hold" nodeType="clickEffect">
-                                  <p:stCondLst>
-                                    <p:cond delay="0"/>
-                                  </p:stCondLst>
-                                  <p:childTnLst>
-                                    <p:set>
-                                      <p:cBhvr>
-                                        <p:cTn id="6" dur="1" fill="hold">
-                                          <p:stCondLst>
-                                            <p:cond delay="0"/>
-                                          </p:stCondLst>
-                                        </p:cTn>
-                                        <p:tgtEl>
-                                          <p:spTgt spid="3">
-                                            <p:txEl>
-                                              <p:pRg st="4" end="4"/>
-                                            </p:txEl>
-                                          </p:spTgt>
-                                        </p:tgtEl>
-                                        <p:attrNameLst>
-                                          <p:attrName>style.visibility</p:attrName>
-                                        </p:attrNameLst>
-                                      </p:cBhvr>
-                                      <p:to>
-                                        <p:strVal val="visible"/>
-                                      </p:to>
-                                    </p:set>
-                                    <p:animEffect transition="in" filter="fade">
-                                      <p:cBhvr>
-                                        <p:cTn id="7" dur="500"/>
-                                        <p:tgtEl>
-                                          <p:spTgt spid="3">
-                                            <p:txEl>
-                                              <p:pRg st="4" end="4"/>
-                                            </p:txEl>
-                                          </p:spTgt>
-                                        </p:tgtEl>
-                                      </p:cBhvr>
-                                    </p:animEffect>
-                                  </p:childTnLst>
-                                </p:cTn>
-                              </p:par>
-                              <p:par>
-                                <p:cTn id="8" presetID="10" presetClass="entr" presetSubtype="0" fill="hold" nodeType="withEffect">
-                                  <p:stCondLst>
-                                    <p:cond delay="0"/>
-                                  </p:stCondLst>
-                                  <p:childTnLst>
-                                    <p:set>
-                                      <p:cBhvr>
-                                        <p:cTn id="9" dur="1" fill="hold">
-                                          <p:stCondLst>
-                                            <p:cond delay="0"/>
-                                          </p:stCondLst>
-                                        </p:cTn>
-                                        <p:tgtEl>
-                                          <p:spTgt spid="8"/>
-                                        </p:tgtEl>
-                                        <p:attrNameLst>
-                                          <p:attrName>style.visibility</p:attrName>
-                                        </p:attrNameLst>
-                                      </p:cBhvr>
-                                      <p:to>
-                                        <p:strVal val="visible"/>
-                                      </p:to>
-                                    </p:set>
-                                    <p:animEffect transition="in" filter="fade">
-                                      <p:cBhvr>
-                                        <p:cTn id="10" dur="500"/>
-                                        <p:tgtEl>
-                                          <p:spTgt spid="8"/>
-                                        </p:tgtEl>
-                                      </p:cBhvr>
-                                    </p:animEffect>
-                                  </p:childTnLst>
-                                </p:cTn>
-                              </p:par>
-                            </p:childTnLst>
-                          </p:cTn>
-                        </p:par>
-                      </p:childTnLst>
-                    </p:cTn>
-                  </p:par>
-                </p:childTnLst>
-              </p:cTn>
-              <p:prevCondLst>
-                <p:cond evt="onPrev" delay="0">
-                  <p:tgtEl>
-                    <p:sldTgt/>
-                  </p:tgtEl>
-                </p:cond>
-              </p:prevCondLst>
-              <p:nextCondLst>
-                <p:cond evt="onNext" delay="0">
-                  <p:tgtEl>
-                    <p:sldTgt/>
-                  </p:tgtEl>
-                </p:cond>
-              </p:nextCondLst>
-            </p:seq>
-          </p:childTnLst>
-        </p:cTn>
-      </p:par>
-    </p:tnLst>
-  </p:timing>
 </p:sld>
 </file>
 
